--- a/presentations/2018-11-introductontomachinelearning/IntroML.pptx
+++ b/presentations/2018-11-introductontomachinelearning/IntroML.pptx
@@ -5,7 +5,7 @@
     <p:sldMasterId id="2147483766" r:id="rId1"/>
   </p:sldMasterIdLst>
   <p:notesMasterIdLst>
-    <p:notesMasterId r:id="rId27"/>
+    <p:notesMasterId r:id="rId32"/>
   </p:notesMasterIdLst>
   <p:sldIdLst>
     <p:sldId id="361" r:id="rId2"/>
@@ -27,12 +27,17 @@
     <p:sldId id="452" r:id="rId18"/>
     <p:sldId id="438" r:id="rId19"/>
     <p:sldId id="445" r:id="rId20"/>
-    <p:sldId id="439" r:id="rId21"/>
-    <p:sldId id="446" r:id="rId22"/>
-    <p:sldId id="440" r:id="rId23"/>
-    <p:sldId id="441" r:id="rId24"/>
-    <p:sldId id="447" r:id="rId25"/>
-    <p:sldId id="448" r:id="rId26"/>
+    <p:sldId id="468" r:id="rId21"/>
+    <p:sldId id="469" r:id="rId22"/>
+    <p:sldId id="470" r:id="rId23"/>
+    <p:sldId id="466" r:id="rId24"/>
+    <p:sldId id="439" r:id="rId25"/>
+    <p:sldId id="446" r:id="rId26"/>
+    <p:sldId id="467" r:id="rId27"/>
+    <p:sldId id="440" r:id="rId28"/>
+    <p:sldId id="441" r:id="rId29"/>
+    <p:sldId id="447" r:id="rId30"/>
+    <p:sldId id="448" r:id="rId31"/>
   </p:sldIdLst>
   <p:sldSz cx="12192000" cy="6858000"/>
   <p:notesSz cx="6858000" cy="9144000"/>
@@ -155,8 +160,13 @@
             <p14:sldId id="452"/>
             <p14:sldId id="438"/>
             <p14:sldId id="445"/>
+            <p14:sldId id="468"/>
+            <p14:sldId id="469"/>
+            <p14:sldId id="470"/>
+            <p14:sldId id="466"/>
             <p14:sldId id="439"/>
             <p14:sldId id="446"/>
+            <p14:sldId id="467"/>
             <p14:sldId id="440"/>
             <p14:sldId id="441"/>
             <p14:sldId id="447"/>
@@ -1426,6 +1436,258 @@
 </p:notes>
 </file>
 
+<file path=ppt/notesSlides/notesSlide10.xml><?xml version="1.0" encoding="utf-8"?>
+<p:notes xmlns:a="http://schemas.openxmlformats.org/drawingml/2006/main" xmlns:r="http://schemas.openxmlformats.org/officeDocument/2006/relationships" xmlns:p="http://schemas.openxmlformats.org/presentationml/2006/main">
+  <p:cSld>
+    <p:spTree>
+      <p:nvGrpSpPr>
+        <p:cNvPr id="1" name=""/>
+        <p:cNvGrpSpPr/>
+        <p:nvPr/>
+      </p:nvGrpSpPr>
+      <p:grpSpPr>
+        <a:xfrm>
+          <a:off x="0" y="0"/>
+          <a:ext cx="0" cy="0"/>
+          <a:chOff x="0" y="0"/>
+          <a:chExt cx="0" cy="0"/>
+        </a:xfrm>
+      </p:grpSpPr>
+      <p:sp>
+        <p:nvSpPr>
+          <p:cNvPr id="2" name="Slide Image Placeholder 1"/>
+          <p:cNvSpPr>
+            <a:spLocks noGrp="1" noRot="1" noChangeAspect="1"/>
+          </p:cNvSpPr>
+          <p:nvPr>
+            <p:ph type="sldImg"/>
+          </p:nvPr>
+        </p:nvSpPr>
+        <p:spPr/>
+      </p:sp>
+      <p:sp>
+        <p:nvSpPr>
+          <p:cNvPr id="3" name="Notes Placeholder 2"/>
+          <p:cNvSpPr>
+            <a:spLocks noGrp="1"/>
+          </p:cNvSpPr>
+          <p:nvPr>
+            <p:ph type="body" idx="1"/>
+          </p:nvPr>
+        </p:nvSpPr>
+        <p:spPr/>
+        <p:txBody>
+          <a:bodyPr/>
+          <a:lstStyle/>
+          <a:p>
+            <a:endParaRPr lang="en-US"/>
+          </a:p>
+        </p:txBody>
+      </p:sp>
+      <p:sp>
+        <p:nvSpPr>
+          <p:cNvPr id="4" name="Slide Number Placeholder 3"/>
+          <p:cNvSpPr>
+            <a:spLocks noGrp="1"/>
+          </p:cNvSpPr>
+          <p:nvPr>
+            <p:ph type="sldNum" sz="quarter" idx="10"/>
+          </p:nvPr>
+        </p:nvSpPr>
+        <p:spPr/>
+        <p:txBody>
+          <a:bodyPr/>
+          <a:lstStyle/>
+          <a:p>
+            <a:fld id="{AD59474B-ACDC-4112-87CE-1D7E7EEC5C46}" type="slidenum">
+              <a:rPr lang="en-US" smtClean="0"/>
+              <a:t>23</a:t>
+            </a:fld>
+            <a:endParaRPr lang="en-US" dirty="0"/>
+          </a:p>
+        </p:txBody>
+      </p:sp>
+    </p:spTree>
+    <p:extLst>
+      <p:ext uri="{BB962C8B-B14F-4D97-AF65-F5344CB8AC3E}">
+        <p14:creationId xmlns:p14="http://schemas.microsoft.com/office/powerpoint/2010/main" val="1878120271"/>
+      </p:ext>
+    </p:extLst>
+  </p:cSld>
+  <p:clrMapOvr>
+    <a:masterClrMapping/>
+  </p:clrMapOvr>
+</p:notes>
+</file>
+
+<file path=ppt/notesSlides/notesSlide11.xml><?xml version="1.0" encoding="utf-8"?>
+<p:notes xmlns:a="http://schemas.openxmlformats.org/drawingml/2006/main" xmlns:r="http://schemas.openxmlformats.org/officeDocument/2006/relationships" xmlns:p="http://schemas.openxmlformats.org/presentationml/2006/main">
+  <p:cSld>
+    <p:spTree>
+      <p:nvGrpSpPr>
+        <p:cNvPr id="1" name=""/>
+        <p:cNvGrpSpPr/>
+        <p:nvPr/>
+      </p:nvGrpSpPr>
+      <p:grpSpPr>
+        <a:xfrm>
+          <a:off x="0" y="0"/>
+          <a:ext cx="0" cy="0"/>
+          <a:chOff x="0" y="0"/>
+          <a:chExt cx="0" cy="0"/>
+        </a:xfrm>
+      </p:grpSpPr>
+      <p:sp>
+        <p:nvSpPr>
+          <p:cNvPr id="2" name="Slide Image Placeholder 1"/>
+          <p:cNvSpPr>
+            <a:spLocks noGrp="1" noRot="1" noChangeAspect="1"/>
+          </p:cNvSpPr>
+          <p:nvPr>
+            <p:ph type="sldImg"/>
+          </p:nvPr>
+        </p:nvSpPr>
+        <p:spPr/>
+      </p:sp>
+      <p:sp>
+        <p:nvSpPr>
+          <p:cNvPr id="3" name="Notes Placeholder 2"/>
+          <p:cNvSpPr>
+            <a:spLocks noGrp="1"/>
+          </p:cNvSpPr>
+          <p:nvPr>
+            <p:ph type="body" idx="1"/>
+          </p:nvPr>
+        </p:nvSpPr>
+        <p:spPr/>
+        <p:txBody>
+          <a:bodyPr/>
+          <a:lstStyle/>
+          <a:p>
+            <a:endParaRPr lang="en-US"/>
+          </a:p>
+        </p:txBody>
+      </p:sp>
+      <p:sp>
+        <p:nvSpPr>
+          <p:cNvPr id="4" name="Slide Number Placeholder 3"/>
+          <p:cNvSpPr>
+            <a:spLocks noGrp="1"/>
+          </p:cNvSpPr>
+          <p:nvPr>
+            <p:ph type="sldNum" sz="quarter" idx="10"/>
+          </p:nvPr>
+        </p:nvSpPr>
+        <p:spPr/>
+        <p:txBody>
+          <a:bodyPr/>
+          <a:lstStyle/>
+          <a:p>
+            <a:fld id="{AD59474B-ACDC-4112-87CE-1D7E7EEC5C46}" type="slidenum">
+              <a:rPr lang="en-US" smtClean="0"/>
+              <a:t>26</a:t>
+            </a:fld>
+            <a:endParaRPr lang="en-US" dirty="0"/>
+          </a:p>
+        </p:txBody>
+      </p:sp>
+    </p:spTree>
+    <p:extLst>
+      <p:ext uri="{BB962C8B-B14F-4D97-AF65-F5344CB8AC3E}">
+        <p14:creationId xmlns:p14="http://schemas.microsoft.com/office/powerpoint/2010/main" val="2926057671"/>
+      </p:ext>
+    </p:extLst>
+  </p:cSld>
+  <p:clrMapOvr>
+    <a:masterClrMapping/>
+  </p:clrMapOvr>
+</p:notes>
+</file>
+
+<file path=ppt/notesSlides/notesSlide12.xml><?xml version="1.0" encoding="utf-8"?>
+<p:notes xmlns:a="http://schemas.openxmlformats.org/drawingml/2006/main" xmlns:r="http://schemas.openxmlformats.org/officeDocument/2006/relationships" xmlns:p="http://schemas.openxmlformats.org/presentationml/2006/main">
+  <p:cSld>
+    <p:spTree>
+      <p:nvGrpSpPr>
+        <p:cNvPr id="1" name=""/>
+        <p:cNvGrpSpPr/>
+        <p:nvPr/>
+      </p:nvGrpSpPr>
+      <p:grpSpPr>
+        <a:xfrm>
+          <a:off x="0" y="0"/>
+          <a:ext cx="0" cy="0"/>
+          <a:chOff x="0" y="0"/>
+          <a:chExt cx="0" cy="0"/>
+        </a:xfrm>
+      </p:grpSpPr>
+      <p:sp>
+        <p:nvSpPr>
+          <p:cNvPr id="2" name="Slide Image Placeholder 1"/>
+          <p:cNvSpPr>
+            <a:spLocks noGrp="1" noRot="1" noChangeAspect="1"/>
+          </p:cNvSpPr>
+          <p:nvPr>
+            <p:ph type="sldImg"/>
+          </p:nvPr>
+        </p:nvSpPr>
+        <p:spPr/>
+      </p:sp>
+      <p:sp>
+        <p:nvSpPr>
+          <p:cNvPr id="3" name="Notes Placeholder 2"/>
+          <p:cNvSpPr>
+            <a:spLocks noGrp="1"/>
+          </p:cNvSpPr>
+          <p:nvPr>
+            <p:ph type="body" idx="1"/>
+          </p:nvPr>
+        </p:nvSpPr>
+        <p:spPr/>
+        <p:txBody>
+          <a:bodyPr/>
+          <a:lstStyle/>
+          <a:p>
+            <a:endParaRPr lang="en-US"/>
+          </a:p>
+        </p:txBody>
+      </p:sp>
+      <p:sp>
+        <p:nvSpPr>
+          <p:cNvPr id="4" name="Slide Number Placeholder 3"/>
+          <p:cNvSpPr>
+            <a:spLocks noGrp="1"/>
+          </p:cNvSpPr>
+          <p:nvPr>
+            <p:ph type="sldNum" sz="quarter" idx="10"/>
+          </p:nvPr>
+        </p:nvSpPr>
+        <p:spPr/>
+        <p:txBody>
+          <a:bodyPr/>
+          <a:lstStyle/>
+          <a:p>
+            <a:fld id="{AD59474B-ACDC-4112-87CE-1D7E7EEC5C46}" type="slidenum">
+              <a:rPr lang="en-US" smtClean="0"/>
+              <a:t>30</a:t>
+            </a:fld>
+            <a:endParaRPr lang="en-US" dirty="0"/>
+          </a:p>
+        </p:txBody>
+      </p:sp>
+    </p:spTree>
+    <p:extLst>
+      <p:ext uri="{BB962C8B-B14F-4D97-AF65-F5344CB8AC3E}">
+        <p14:creationId xmlns:p14="http://schemas.microsoft.com/office/powerpoint/2010/main" val="673020979"/>
+      </p:ext>
+    </p:extLst>
+  </p:cSld>
+  <p:clrMapOvr>
+    <a:masterClrMapping/>
+  </p:clrMapOvr>
+</p:notes>
+</file>
+
 <file path=ppt/notesSlides/notesSlide2.xml><?xml version="1.0" encoding="utf-8"?>
 <p:notes xmlns:a="http://schemas.openxmlformats.org/drawingml/2006/main" xmlns:r="http://schemas.openxmlformats.org/officeDocument/2006/relationships" xmlns:p="http://schemas.openxmlformats.org/presentationml/2006/main">
   <p:cSld>
@@ -1565,11 +1827,7 @@
           <a:p>
             <a:r>
               <a:rPr lang="en-US" smtClean="0"/>
-              <a:t>Every time that use Google search the web, And the machine suggests search </a:t>
-            </a:r>
-            <a:r>
-              <a:rPr lang="en-US" smtClean="0"/>
-              <a:t>terms</a:t>
+              <a:t>Every time that use Google search the web, And the machine suggests search terms</a:t>
             </a:r>
           </a:p>
           <a:p>
@@ -1899,6 +2157,262 @@
     <p:extLst>
       <p:ext uri="{BB962C8B-B14F-4D97-AF65-F5344CB8AC3E}">
         <p14:creationId xmlns:p14="http://schemas.microsoft.com/office/powerpoint/2010/main" val="4077467282"/>
+      </p:ext>
+    </p:extLst>
+  </p:cSld>
+  <p:clrMapOvr>
+    <a:masterClrMapping/>
+  </p:clrMapOvr>
+</p:notes>
+</file>
+
+<file path=ppt/notesSlides/notesSlide7.xml><?xml version="1.0" encoding="utf-8"?>
+<p:notes xmlns:a="http://schemas.openxmlformats.org/drawingml/2006/main" xmlns:r="http://schemas.openxmlformats.org/officeDocument/2006/relationships" xmlns:p="http://schemas.openxmlformats.org/presentationml/2006/main">
+  <p:cSld>
+    <p:spTree>
+      <p:nvGrpSpPr>
+        <p:cNvPr id="1" name=""/>
+        <p:cNvGrpSpPr/>
+        <p:nvPr/>
+      </p:nvGrpSpPr>
+      <p:grpSpPr>
+        <a:xfrm>
+          <a:off x="0" y="0"/>
+          <a:ext cx="0" cy="0"/>
+          <a:chOff x="0" y="0"/>
+          <a:chExt cx="0" cy="0"/>
+        </a:xfrm>
+      </p:grpSpPr>
+      <p:sp>
+        <p:nvSpPr>
+          <p:cNvPr id="2" name="Slide Image Placeholder 1"/>
+          <p:cNvSpPr>
+            <a:spLocks noGrp="1" noRot="1" noChangeAspect="1"/>
+          </p:cNvSpPr>
+          <p:nvPr>
+            <p:ph type="sldImg"/>
+          </p:nvPr>
+        </p:nvSpPr>
+        <p:spPr/>
+      </p:sp>
+      <p:sp>
+        <p:nvSpPr>
+          <p:cNvPr id="3" name="Notes Placeholder 2"/>
+          <p:cNvSpPr>
+            <a:spLocks noGrp="1"/>
+          </p:cNvSpPr>
+          <p:nvPr>
+            <p:ph type="body" idx="1"/>
+          </p:nvPr>
+        </p:nvSpPr>
+        <p:spPr/>
+        <p:txBody>
+          <a:bodyPr/>
+          <a:lstStyle/>
+          <a:p>
+            <a:r>
+              <a:rPr lang="en-US" smtClean="0"/>
+              <a:t>features, infinite number of features, SVM</a:t>
+            </a:r>
+            <a:endParaRPr lang="en-US" dirty="0"/>
+          </a:p>
+        </p:txBody>
+      </p:sp>
+      <p:sp>
+        <p:nvSpPr>
+          <p:cNvPr id="4" name="Slide Number Placeholder 3"/>
+          <p:cNvSpPr>
+            <a:spLocks noGrp="1"/>
+          </p:cNvSpPr>
+          <p:nvPr>
+            <p:ph type="sldNum" sz="quarter" idx="10"/>
+          </p:nvPr>
+        </p:nvSpPr>
+        <p:spPr/>
+        <p:txBody>
+          <a:bodyPr/>
+          <a:lstStyle/>
+          <a:p>
+            <a:fld id="{AD59474B-ACDC-4112-87CE-1D7E7EEC5C46}" type="slidenum">
+              <a:rPr lang="en-US" smtClean="0"/>
+              <a:t>19</a:t>
+            </a:fld>
+            <a:endParaRPr lang="en-US" dirty="0"/>
+          </a:p>
+        </p:txBody>
+      </p:sp>
+    </p:spTree>
+    <p:extLst>
+      <p:ext uri="{BB962C8B-B14F-4D97-AF65-F5344CB8AC3E}">
+        <p14:creationId xmlns:p14="http://schemas.microsoft.com/office/powerpoint/2010/main" val="2680469553"/>
+      </p:ext>
+    </p:extLst>
+  </p:cSld>
+  <p:clrMapOvr>
+    <a:masterClrMapping/>
+  </p:clrMapOvr>
+</p:notes>
+</file>
+
+<file path=ppt/notesSlides/notesSlide8.xml><?xml version="1.0" encoding="utf-8"?>
+<p:notes xmlns:a="http://schemas.openxmlformats.org/drawingml/2006/main" xmlns:r="http://schemas.openxmlformats.org/officeDocument/2006/relationships" xmlns:p="http://schemas.openxmlformats.org/presentationml/2006/main">
+  <p:cSld>
+    <p:spTree>
+      <p:nvGrpSpPr>
+        <p:cNvPr id="1" name=""/>
+        <p:cNvGrpSpPr/>
+        <p:nvPr/>
+      </p:nvGrpSpPr>
+      <p:grpSpPr>
+        <a:xfrm>
+          <a:off x="0" y="0"/>
+          <a:ext cx="0" cy="0"/>
+          <a:chOff x="0" y="0"/>
+          <a:chExt cx="0" cy="0"/>
+        </a:xfrm>
+      </p:grpSpPr>
+      <p:sp>
+        <p:nvSpPr>
+          <p:cNvPr id="2" name="Slide Image Placeholder 1"/>
+          <p:cNvSpPr>
+            <a:spLocks noGrp="1" noRot="1" noChangeAspect="1"/>
+          </p:cNvSpPr>
+          <p:nvPr>
+            <p:ph type="sldImg"/>
+          </p:nvPr>
+        </p:nvSpPr>
+        <p:spPr/>
+      </p:sp>
+      <p:sp>
+        <p:nvSpPr>
+          <p:cNvPr id="3" name="Notes Placeholder 2"/>
+          <p:cNvSpPr>
+            <a:spLocks noGrp="1"/>
+          </p:cNvSpPr>
+          <p:nvPr>
+            <p:ph type="body" idx="1"/>
+          </p:nvPr>
+        </p:nvSpPr>
+        <p:spPr/>
+        <p:txBody>
+          <a:bodyPr/>
+          <a:lstStyle/>
+          <a:p>
+            <a:endParaRPr lang="en-US"/>
+          </a:p>
+        </p:txBody>
+      </p:sp>
+      <p:sp>
+        <p:nvSpPr>
+          <p:cNvPr id="4" name="Slide Number Placeholder 3"/>
+          <p:cNvSpPr>
+            <a:spLocks noGrp="1"/>
+          </p:cNvSpPr>
+          <p:nvPr>
+            <p:ph type="sldNum" sz="quarter" idx="10"/>
+          </p:nvPr>
+        </p:nvSpPr>
+        <p:spPr/>
+        <p:txBody>
+          <a:bodyPr/>
+          <a:lstStyle/>
+          <a:p>
+            <a:fld id="{AD59474B-ACDC-4112-87CE-1D7E7EEC5C46}" type="slidenum">
+              <a:rPr lang="en-US" smtClean="0"/>
+              <a:t>21</a:t>
+            </a:fld>
+            <a:endParaRPr lang="en-US" dirty="0"/>
+          </a:p>
+        </p:txBody>
+      </p:sp>
+    </p:spTree>
+    <p:extLst>
+      <p:ext uri="{BB962C8B-B14F-4D97-AF65-F5344CB8AC3E}">
+        <p14:creationId xmlns:p14="http://schemas.microsoft.com/office/powerpoint/2010/main" val="1669108030"/>
+      </p:ext>
+    </p:extLst>
+  </p:cSld>
+  <p:clrMapOvr>
+    <a:masterClrMapping/>
+  </p:clrMapOvr>
+</p:notes>
+</file>
+
+<file path=ppt/notesSlides/notesSlide9.xml><?xml version="1.0" encoding="utf-8"?>
+<p:notes xmlns:a="http://schemas.openxmlformats.org/drawingml/2006/main" xmlns:r="http://schemas.openxmlformats.org/officeDocument/2006/relationships" xmlns:p="http://schemas.openxmlformats.org/presentationml/2006/main">
+  <p:cSld>
+    <p:spTree>
+      <p:nvGrpSpPr>
+        <p:cNvPr id="1" name=""/>
+        <p:cNvGrpSpPr/>
+        <p:nvPr/>
+      </p:nvGrpSpPr>
+      <p:grpSpPr>
+        <a:xfrm>
+          <a:off x="0" y="0"/>
+          <a:ext cx="0" cy="0"/>
+          <a:chOff x="0" y="0"/>
+          <a:chExt cx="0" cy="0"/>
+        </a:xfrm>
+      </p:grpSpPr>
+      <p:sp>
+        <p:nvSpPr>
+          <p:cNvPr id="2" name="Slide Image Placeholder 1"/>
+          <p:cNvSpPr>
+            <a:spLocks noGrp="1" noRot="1" noChangeAspect="1"/>
+          </p:cNvSpPr>
+          <p:nvPr>
+            <p:ph type="sldImg"/>
+          </p:nvPr>
+        </p:nvSpPr>
+        <p:spPr/>
+      </p:sp>
+      <p:sp>
+        <p:nvSpPr>
+          <p:cNvPr id="3" name="Notes Placeholder 2"/>
+          <p:cNvSpPr>
+            <a:spLocks noGrp="1"/>
+          </p:cNvSpPr>
+          <p:nvPr>
+            <p:ph type="body" idx="1"/>
+          </p:nvPr>
+        </p:nvSpPr>
+        <p:spPr/>
+        <p:txBody>
+          <a:bodyPr/>
+          <a:lstStyle/>
+          <a:p>
+            <a:endParaRPr lang="en-US"/>
+          </a:p>
+        </p:txBody>
+      </p:sp>
+      <p:sp>
+        <p:nvSpPr>
+          <p:cNvPr id="4" name="Slide Number Placeholder 3"/>
+          <p:cNvSpPr>
+            <a:spLocks noGrp="1"/>
+          </p:cNvSpPr>
+          <p:nvPr>
+            <p:ph type="sldNum" sz="quarter" idx="10"/>
+          </p:nvPr>
+        </p:nvSpPr>
+        <p:spPr/>
+        <p:txBody>
+          <a:bodyPr/>
+          <a:lstStyle/>
+          <a:p>
+            <a:fld id="{AD59474B-ACDC-4112-87CE-1D7E7EEC5C46}" type="slidenum">
+              <a:rPr lang="en-US" smtClean="0"/>
+              <a:t>22</a:t>
+            </a:fld>
+            <a:endParaRPr lang="en-US" dirty="0"/>
+          </a:p>
+        </p:txBody>
+      </p:sp>
+    </p:spTree>
+    <p:extLst>
+      <p:ext uri="{BB962C8B-B14F-4D97-AF65-F5344CB8AC3E}">
+        <p14:creationId xmlns:p14="http://schemas.microsoft.com/office/powerpoint/2010/main" val="759861737"/>
       </p:ext>
     </p:extLst>
   </p:cSld>
@@ -15174,27 +15688,60 @@
           <a:lstStyle/>
           <a:p>
             <a:r>
+              <a:rPr lang="en-US" smtClean="0"/>
+              <a:t>Right </a:t>
+            </a:r>
+            <a:r>
               <a:rPr lang="en-US" dirty="0"/>
-              <a:t>right answers are given to algorithm</a:t>
-            </a:r>
-          </a:p>
-          <a:p>
+              <a:t>answers are given </a:t>
+            </a:r>
+            <a:r>
+              <a:rPr lang="en-US"/>
+              <a:t>to </a:t>
+            </a:r>
+            <a:r>
+              <a:rPr lang="en-US" smtClean="0"/>
+              <a:t>the algorithm</a:t>
+            </a:r>
+            <a:endParaRPr lang="en-US" dirty="0"/>
+          </a:p>
+          <a:p>
+            <a:r>
+              <a:rPr lang="en-US" smtClean="0"/>
+              <a:t>Regression</a:t>
+            </a:r>
             <a:r>
               <a:rPr lang="en-US" dirty="0"/>
-              <a:t>regression: predict continuous valued output</a:t>
-            </a:r>
-          </a:p>
-          <a:p>
+              <a:t>: predict continuous </a:t>
+            </a:r>
+            <a:r>
+              <a:rPr lang="en-US"/>
+              <a:t>valued </a:t>
+            </a:r>
+            <a:r>
+              <a:rPr lang="en-US" smtClean="0"/>
+              <a:t>output (e.g., price)</a:t>
+            </a:r>
+            <a:endParaRPr lang="en-US" dirty="0"/>
+          </a:p>
+          <a:p>
+            <a:r>
+              <a:rPr lang="en-GB" smtClean="0"/>
+              <a:t>Classification</a:t>
+            </a:r>
             <a:r>
               <a:rPr lang="en-GB" dirty="0"/>
-              <a:t>classification: discrete valued output</a:t>
-            </a:r>
-          </a:p>
-          <a:p>
-            <a:r>
-              <a:rPr lang="en-US" dirty="0"/>
-              <a:t>features, infinite number of features, SVM</a:t>
-            </a:r>
+              <a:t>: discrete </a:t>
+            </a:r>
+            <a:r>
+              <a:rPr lang="en-GB"/>
+              <a:t>valued </a:t>
+            </a:r>
+            <a:r>
+              <a:rPr lang="en-GB" smtClean="0"/>
+              <a:t>output (e.g., medical test 0 or 1)</a:t>
+            </a:r>
+            <a:endParaRPr lang="en-GB" dirty="0"/>
           </a:p>
           <a:p>
             <a:endParaRPr lang="en-GB" dirty="0"/>
@@ -15415,7 +15962,7 @@
       </p:grpSpPr>
       <p:sp>
         <p:nvSpPr>
-          <p:cNvPr id="6" name="Title 5"/>
+          <p:cNvPr id="2" name="Title 1"/>
           <p:cNvSpPr>
             <a:spLocks noGrp="1"/>
           </p:cNvSpPr>
@@ -15426,37 +15973,14 @@
         <p:spPr/>
         <p:txBody>
           <a:bodyPr>
-            <a:normAutofit/>
+            <a:normAutofit fontScale="90000"/>
           </a:bodyPr>
           <a:lstStyle/>
           <a:p>
             <a:r>
-              <a:rPr lang="en-US" dirty="0"/>
-              <a:t>4</a:t>
-            </a:r>
-            <a:r>
-              <a:rPr lang="en-US" dirty="0" smtClean="0"/>
-              <a:t>. Unsupervised Learning</a:t>
-            </a:r>
-            <a:endParaRPr lang="en-US" dirty="0"/>
-          </a:p>
-        </p:txBody>
-      </p:sp>
-      <p:sp>
-        <p:nvSpPr>
-          <p:cNvPr id="7" name="Text Placeholder 6"/>
-          <p:cNvSpPr>
-            <a:spLocks noGrp="1"/>
-          </p:cNvSpPr>
-          <p:nvPr>
-            <p:ph type="body" idx="1"/>
-          </p:nvPr>
-        </p:nvSpPr>
-        <p:spPr/>
-        <p:txBody>
-          <a:bodyPr/>
-          <a:lstStyle/>
-          <a:p>
+              <a:rPr lang="en-US" smtClean="0"/>
+              <a:t>Housing Price Prediction</a:t>
+            </a:r>
             <a:endParaRPr lang="en-US"/>
           </a:p>
         </p:txBody>
@@ -15501,16 +16025,46 @@
           <a:p>
             <a:fld id="{BA83D748-511C-42DE-9A56-05B60C680E34}" type="slidenum">
               <a:rPr lang="en-US" smtClean="0"/>
+              <a:pPr/>
               <a:t>20</a:t>
             </a:fld>
             <a:endParaRPr lang="en-US" dirty="0"/>
           </a:p>
         </p:txBody>
       </p:sp>
+      <p:pic>
+        <p:nvPicPr>
+          <p:cNvPr id="12" name="Content Placeholder 11"/>
+          <p:cNvPicPr>
+            <a:picLocks noGrp="1" noChangeAspect="1"/>
+          </p:cNvPicPr>
+          <p:nvPr>
+            <p:ph idx="1"/>
+          </p:nvPr>
+        </p:nvPicPr>
+        <p:blipFill>
+          <a:blip r:embed="rId2">
+            <a:extLst>
+              <a:ext uri="{28A0092B-C50C-407E-A947-70E740481C1C}">
+                <a14:useLocalDpi xmlns:a14="http://schemas.microsoft.com/office/drawing/2010/main" val="0"/>
+              </a:ext>
+            </a:extLst>
+          </a:blip>
+          <a:stretch>
+            <a:fillRect/>
+          </a:stretch>
+        </p:blipFill>
+        <p:spPr>
+          <a:xfrm>
+            <a:off x="2763005" y="1476212"/>
+            <a:ext cx="6665989" cy="4069088"/>
+          </a:xfrm>
+        </p:spPr>
+      </p:pic>
     </p:spTree>
     <p:extLst>
       <p:ext uri="{BB962C8B-B14F-4D97-AF65-F5344CB8AC3E}">
-        <p14:creationId xmlns:p14="http://schemas.microsoft.com/office/powerpoint/2010/main" val="1157363002"/>
+        <p14:creationId xmlns:p14="http://schemas.microsoft.com/office/powerpoint/2010/main" val="430067672"/>
       </p:ext>
     </p:extLst>
   </p:cSld>
@@ -15539,7 +16093,7 @@
       </p:grpSpPr>
       <p:sp>
         <p:nvSpPr>
-          <p:cNvPr id="6" name="Title 5"/>
+          <p:cNvPr id="2" name="Title 1"/>
           <p:cNvSpPr>
             <a:spLocks noGrp="1"/>
           </p:cNvSpPr>
@@ -15549,49 +16103,48 @@
         </p:nvSpPr>
         <p:spPr/>
         <p:txBody>
-          <a:bodyPr/>
-          <a:lstStyle/>
-          <a:p>
-            <a:r>
-              <a:rPr lang="en-GB" dirty="0" smtClean="0"/>
-              <a:t>Unsupervised Learning</a:t>
-            </a:r>
-            <a:endParaRPr lang="en-GB" dirty="0"/>
-          </a:p>
-        </p:txBody>
-      </p:sp>
-      <p:sp>
-        <p:nvSpPr>
-          <p:cNvPr id="7" name="Content Placeholder 6"/>
-          <p:cNvSpPr>
-            <a:spLocks noGrp="1"/>
-          </p:cNvSpPr>
+          <a:bodyPr>
+            <a:normAutofit fontScale="90000"/>
+          </a:bodyPr>
+          <a:lstStyle/>
+          <a:p>
+            <a:r>
+              <a:rPr lang="en-US" smtClean="0"/>
+              <a:t>Breast Cancer (malignant, benign)</a:t>
+            </a:r>
+            <a:endParaRPr lang="en-US"/>
+          </a:p>
+        </p:txBody>
+      </p:sp>
+      <p:pic>
+        <p:nvPicPr>
+          <p:cNvPr id="6" name="Content Placeholder 5"/>
+          <p:cNvPicPr>
+            <a:picLocks noGrp="1" noChangeAspect="1"/>
+          </p:cNvPicPr>
           <p:nvPr>
             <p:ph idx="1"/>
           </p:nvPr>
-        </p:nvSpPr>
-        <p:spPr/>
-        <p:txBody>
-          <a:bodyPr/>
-          <a:lstStyle/>
-          <a:p>
-            <a:r>
-              <a:rPr lang="en-GB" i="1" dirty="0"/>
-              <a:t>clustering, automatically finding structure</a:t>
-            </a:r>
-          </a:p>
-          <a:p>
-            <a:r>
-              <a:rPr lang="en-GB" i="1" dirty="0"/>
-              <a:t>cocktail party problem</a:t>
-            </a:r>
-            <a:endParaRPr lang="en-GB" dirty="0"/>
-          </a:p>
-          <a:p>
-            <a:endParaRPr lang="en-GB" dirty="0"/>
-          </a:p>
-        </p:txBody>
-      </p:sp>
+        </p:nvPicPr>
+        <p:blipFill>
+          <a:blip r:embed="rId3">
+            <a:extLst>
+              <a:ext uri="{28A0092B-C50C-407E-A947-70E740481C1C}">
+                <a14:useLocalDpi xmlns:a14="http://schemas.microsoft.com/office/drawing/2010/main" val="0"/>
+              </a:ext>
+            </a:extLst>
+          </a:blip>
+          <a:stretch>
+            <a:fillRect/>
+          </a:stretch>
+        </p:blipFill>
+        <p:spPr>
+          <a:xfrm>
+            <a:off x="3771133" y="2648933"/>
+            <a:ext cx="4649733" cy="1723647"/>
+          </a:xfrm>
+        </p:spPr>
+      </p:pic>
       <p:sp>
         <p:nvSpPr>
           <p:cNvPr id="4" name="Footer Placeholder 3"/>
@@ -15632,7 +16185,6 @@
           <a:p>
             <a:fld id="{BA83D748-511C-42DE-9A56-05B60C680E34}" type="slidenum">
               <a:rPr lang="en-US" smtClean="0"/>
-              <a:pPr/>
               <a:t>21</a:t>
             </a:fld>
             <a:endParaRPr lang="en-US" dirty="0"/>
@@ -15642,7 +16194,7 @@
     </p:spTree>
     <p:extLst>
       <p:ext uri="{BB962C8B-B14F-4D97-AF65-F5344CB8AC3E}">
-        <p14:creationId xmlns:p14="http://schemas.microsoft.com/office/powerpoint/2010/main" val="3490337041"/>
+        <p14:creationId xmlns:p14="http://schemas.microsoft.com/office/powerpoint/2010/main" val="1585387817"/>
       </p:ext>
     </p:extLst>
   </p:cSld>
@@ -15671,7 +16223,7 @@
       </p:grpSpPr>
       <p:sp>
         <p:nvSpPr>
-          <p:cNvPr id="6" name="Title 5"/>
+          <p:cNvPr id="2" name="Title 1"/>
           <p:cNvSpPr>
             <a:spLocks noGrp="1"/>
           </p:cNvSpPr>
@@ -15682,33 +16234,14 @@
         <p:spPr/>
         <p:txBody>
           <a:bodyPr>
-            <a:normAutofit/>
+            <a:normAutofit fontScale="90000"/>
           </a:bodyPr>
           <a:lstStyle/>
           <a:p>
             <a:r>
-              <a:rPr lang="en-US" dirty="0" smtClean="0"/>
-              <a:t>5. Methods and Strategies</a:t>
-            </a:r>
-            <a:endParaRPr lang="en-US" dirty="0"/>
-          </a:p>
-        </p:txBody>
-      </p:sp>
-      <p:sp>
-        <p:nvSpPr>
-          <p:cNvPr id="7" name="Text Placeholder 6"/>
-          <p:cNvSpPr>
-            <a:spLocks noGrp="1"/>
-          </p:cNvSpPr>
-          <p:nvPr>
-            <p:ph type="body" idx="1"/>
-          </p:nvPr>
-        </p:nvSpPr>
-        <p:spPr/>
-        <p:txBody>
-          <a:bodyPr/>
-          <a:lstStyle/>
-          <a:p>
+              <a:rPr lang="en-US" smtClean="0"/>
+              <a:t>Breast Cancer (malignant, benign)</a:t>
+            </a:r>
             <a:endParaRPr lang="en-US"/>
           </a:p>
         </p:txBody>
@@ -15759,10 +16292,39 @@
           </a:p>
         </p:txBody>
       </p:sp>
+      <p:pic>
+        <p:nvPicPr>
+          <p:cNvPr id="7" name="Content Placeholder 6"/>
+          <p:cNvPicPr>
+            <a:picLocks noGrp="1" noChangeAspect="1"/>
+          </p:cNvPicPr>
+          <p:nvPr>
+            <p:ph idx="1"/>
+          </p:nvPr>
+        </p:nvPicPr>
+        <p:blipFill>
+          <a:blip r:embed="rId3">
+            <a:extLst>
+              <a:ext uri="{28A0092B-C50C-407E-A947-70E740481C1C}">
+                <a14:useLocalDpi xmlns:a14="http://schemas.microsoft.com/office/drawing/2010/main" val="0"/>
+              </a:ext>
+            </a:extLst>
+          </a:blip>
+          <a:stretch>
+            <a:fillRect/>
+          </a:stretch>
+        </p:blipFill>
+        <p:spPr>
+          <a:xfrm>
+            <a:off x="3752845" y="1972275"/>
+            <a:ext cx="4686309" cy="3076962"/>
+          </a:xfrm>
+        </p:spPr>
+      </p:pic>
     </p:spTree>
     <p:extLst>
       <p:ext uri="{BB962C8B-B14F-4D97-AF65-F5344CB8AC3E}">
-        <p14:creationId xmlns:p14="http://schemas.microsoft.com/office/powerpoint/2010/main" val="283692781"/>
+        <p14:creationId xmlns:p14="http://schemas.microsoft.com/office/powerpoint/2010/main" val="4005851479"/>
       </p:ext>
     </p:extLst>
   </p:cSld>
@@ -15789,9 +16351,59 @@
           <a:chExt cx="0" cy="0"/>
         </a:xfrm>
       </p:grpSpPr>
-      <p:sp>
-        <p:nvSpPr>
-          <p:cNvPr id="2" name="Title 1"/>
+      <mc:AlternateContent xmlns:mc="http://schemas.openxmlformats.org/markup-compatibility/2006">
+        <mc:Choice xmlns:we="http://schemas.microsoft.com/office/webextensions/webextension/2010/11" xmlns:pca="http://schemas.microsoft.com/office/powerpoint/2013/contentapp" Requires="we pca">
+          <p:graphicFrame>
+            <p:nvGraphicFramePr>
+              <p:cNvPr id="10" name="Add-in"/>
+              <p:cNvGraphicFramePr>
+                <a:graphicFrameLocks noGrp="1"/>
+              </p:cNvGraphicFramePr>
+              <p:nvPr>
+                <p:extLst/>
+              </p:nvPr>
+            </p:nvGraphicFramePr>
+            <p:xfrm>
+              <a:off x="838201" y="95495"/>
+              <a:ext cx="10515600" cy="6081468"/>
+            </p:xfrm>
+            <a:graphic>
+              <a:graphicData uri="http://schemas.microsoft.com/office/webextensions/webextension/2010/11">
+                <we:webextensionref xmlns:we="http://schemas.microsoft.com/office/webextensions/webextension/2010/11" xmlns:r="http://schemas.openxmlformats.org/officeDocument/2006/relationships" r:id="rId3"/>
+              </a:graphicData>
+            </a:graphic>
+          </p:graphicFrame>
+        </mc:Choice>
+        <mc:Fallback>
+          <p:pic>
+            <p:nvPicPr>
+              <p:cNvPr id="10" name="Add-in"/>
+              <p:cNvPicPr>
+                <a:picLocks noGrp="1" noRot="1" noChangeAspect="1" noMove="1" noResize="1" noEditPoints="1" noAdjustHandles="1" noChangeArrowheads="1" noChangeShapeType="1"/>
+              </p:cNvPicPr>
+              <p:nvPr/>
+            </p:nvPicPr>
+            <p:blipFill>
+              <a:blip r:embed="rId4"/>
+              <a:stretch>
+                <a:fillRect/>
+              </a:stretch>
+            </p:blipFill>
+            <p:spPr>
+              <a:xfrm>
+                <a:off x="838201" y="95495"/>
+                <a:ext cx="10515600" cy="6081468"/>
+              </a:xfrm>
+              <a:prstGeom prst="rect">
+                <a:avLst/>
+              </a:prstGeom>
+            </p:spPr>
+          </p:pic>
+        </mc:Fallback>
+      </mc:AlternateContent>
+      <p:sp>
+        <p:nvSpPr>
+          <p:cNvPr id="12" name="Title 11"/>
           <p:cNvSpPr>
             <a:spLocks noGrp="1"/>
           </p:cNvSpPr>
@@ -15801,93 +16413,51 @@
         </p:nvSpPr>
         <p:spPr/>
         <p:txBody>
-          <a:bodyPr/>
-          <a:lstStyle/>
-          <a:p>
-            <a:r>
-              <a:rPr lang="en-GB" dirty="0" smtClean="0"/>
-              <a:t>6. Summary</a:t>
-            </a:r>
-            <a:endParaRPr lang="en-GB" dirty="0"/>
-          </a:p>
-        </p:txBody>
-      </p:sp>
-      <p:sp>
-        <p:nvSpPr>
-          <p:cNvPr id="3" name="Text Placeholder 2"/>
-          <p:cNvSpPr>
-            <a:spLocks noGrp="1"/>
-          </p:cNvSpPr>
-          <p:nvPr>
-            <p:ph type="body" idx="1"/>
-          </p:nvPr>
-        </p:nvSpPr>
-        <p:spPr/>
-        <p:txBody>
-          <a:bodyPr/>
-          <a:lstStyle/>
-          <a:p>
-            <a:endParaRPr lang="en-GB"/>
-          </a:p>
-        </p:txBody>
-      </p:sp>
-      <p:sp>
-        <p:nvSpPr>
-          <p:cNvPr id="4" name="Footer Placeholder 3"/>
-          <p:cNvSpPr>
-            <a:spLocks noGrp="1"/>
-          </p:cNvSpPr>
-          <p:nvPr>
-            <p:ph type="ftr" sz="quarter" idx="11"/>
-          </p:nvPr>
-        </p:nvSpPr>
-        <p:spPr/>
-        <p:txBody>
-          <a:bodyPr/>
-          <a:lstStyle/>
-          <a:p>
-            <a:r>
-              <a:rPr lang="en-US" smtClean="0"/>
-              <a:t>Introduction to Machine Learning, 16 Nov 2018</a:t>
-            </a:r>
-            <a:endParaRPr lang="en-US" dirty="0"/>
-          </a:p>
-        </p:txBody>
-      </p:sp>
-      <p:sp>
-        <p:nvSpPr>
-          <p:cNvPr id="5" name="Slide Number Placeholder 4"/>
-          <p:cNvSpPr>
-            <a:spLocks noGrp="1"/>
-          </p:cNvSpPr>
-          <p:nvPr>
-            <p:ph type="sldNum" sz="quarter" idx="12"/>
-          </p:nvPr>
-        </p:nvSpPr>
-        <p:spPr/>
-        <p:txBody>
-          <a:bodyPr/>
-          <a:lstStyle/>
-          <a:p>
-            <a:fld id="{BA83D748-511C-42DE-9A56-05B60C680E34}" type="slidenum">
-              <a:rPr lang="en-US" smtClean="0"/>
-              <a:pPr/>
-              <a:t>23</a:t>
-            </a:fld>
-            <a:endParaRPr lang="en-US" dirty="0"/>
+          <a:bodyPr>
+            <a:normAutofit fontScale="90000"/>
+          </a:bodyPr>
+          <a:lstStyle/>
+          <a:p>
+            <a:endParaRPr lang="en-US"/>
+          </a:p>
+        </p:txBody>
+      </p:sp>
+      <p:sp>
+        <p:nvSpPr>
+          <p:cNvPr id="13" name="Content Placeholder 12"/>
+          <p:cNvSpPr>
+            <a:spLocks noGrp="1"/>
+          </p:cNvSpPr>
+          <p:nvPr>
+            <p:ph idx="1"/>
+          </p:nvPr>
+        </p:nvSpPr>
+        <p:spPr/>
+        <p:txBody>
+          <a:bodyPr/>
+          <a:lstStyle/>
+          <a:p>
+            <a:endParaRPr lang="en-US"/>
           </a:p>
         </p:txBody>
       </p:sp>
     </p:spTree>
     <p:extLst>
       <p:ext uri="{BB962C8B-B14F-4D97-AF65-F5344CB8AC3E}">
-        <p14:creationId xmlns:p14="http://schemas.microsoft.com/office/powerpoint/2010/main" val="3255936009"/>
+        <p14:creationId xmlns:p14="http://schemas.microsoft.com/office/powerpoint/2010/main" val="4164075638"/>
       </p:ext>
     </p:extLst>
   </p:cSld>
   <p:clrMapOvr>
     <a:masterClrMapping/>
   </p:clrMapOvr>
+  <p:timing>
+    <p:tnLst>
+      <p:par>
+        <p:cTn id="1" dur="indefinite" restart="never" nodeType="tmRoot"/>
+      </p:par>
+    </p:tnLst>
+  </p:timing>
 </p:sld>
 </file>
 
@@ -15910,7 +16480,7 @@
       </p:grpSpPr>
       <p:sp>
         <p:nvSpPr>
-          <p:cNvPr id="2" name="Title 1"/>
+          <p:cNvPr id="6" name="Title 5"/>
           <p:cNvSpPr>
             <a:spLocks noGrp="1"/>
           </p:cNvSpPr>
@@ -15920,20 +16490,26 @@
         </p:nvSpPr>
         <p:spPr/>
         <p:txBody>
-          <a:bodyPr/>
-          <a:lstStyle/>
-          <a:p>
-            <a:r>
-              <a:rPr lang="en-GB" dirty="0" smtClean="0"/>
-              <a:t>Resources</a:t>
-            </a:r>
-            <a:endParaRPr lang="en-GB" dirty="0"/>
-          </a:p>
-        </p:txBody>
-      </p:sp>
-      <p:sp>
-        <p:nvSpPr>
-          <p:cNvPr id="3" name="Text Placeholder 2"/>
+          <a:bodyPr>
+            <a:normAutofit/>
+          </a:bodyPr>
+          <a:lstStyle/>
+          <a:p>
+            <a:r>
+              <a:rPr lang="en-US" dirty="0"/>
+              <a:t>4</a:t>
+            </a:r>
+            <a:r>
+              <a:rPr lang="en-US" dirty="0" smtClean="0"/>
+              <a:t>. Unsupervised Learning</a:t>
+            </a:r>
+            <a:endParaRPr lang="en-US" dirty="0"/>
+          </a:p>
+        </p:txBody>
+      </p:sp>
+      <p:sp>
+        <p:nvSpPr>
+          <p:cNvPr id="7" name="Text Placeholder 6"/>
           <p:cNvSpPr>
             <a:spLocks noGrp="1"/>
           </p:cNvSpPr>
@@ -15946,7 +16522,7 @@
           <a:bodyPr/>
           <a:lstStyle/>
           <a:p>
-            <a:endParaRPr lang="en-GB"/>
+            <a:endParaRPr lang="en-US"/>
           </a:p>
         </p:txBody>
       </p:sp>
@@ -15990,7 +16566,6 @@
           <a:p>
             <a:fld id="{BA83D748-511C-42DE-9A56-05B60C680E34}" type="slidenum">
               <a:rPr lang="en-US" smtClean="0"/>
-              <a:pPr/>
               <a:t>24</a:t>
             </a:fld>
             <a:endParaRPr lang="en-US" dirty="0"/>
@@ -16000,7 +16575,7 @@
     </p:spTree>
     <p:extLst>
       <p:ext uri="{BB962C8B-B14F-4D97-AF65-F5344CB8AC3E}">
-        <p14:creationId xmlns:p14="http://schemas.microsoft.com/office/powerpoint/2010/main" val="3706435324"/>
+        <p14:creationId xmlns:p14="http://schemas.microsoft.com/office/powerpoint/2010/main" val="1157363002"/>
       </p:ext>
     </p:extLst>
   </p:cSld>
@@ -16044,7 +16619,7 @@
           <a:p>
             <a:r>
               <a:rPr lang="en-GB" dirty="0" smtClean="0"/>
-              <a:t>Resources</a:t>
+              <a:t>Unsupervised Learning</a:t>
             </a:r>
             <a:endParaRPr lang="en-GB" dirty="0"/>
           </a:p>
@@ -16066,36 +16641,18 @@
           <a:lstStyle/>
           <a:p>
             <a:r>
-              <a:rPr lang="en-GB" dirty="0" smtClean="0"/>
-              <a:t>Machine Learning, Online Course in Coursera, Andrew Ng, </a:t>
-            </a:r>
-            <a:r>
-              <a:rPr lang="en-GB" dirty="0" err="1" smtClean="0"/>
-              <a:t>Standford</a:t>
-            </a:r>
-            <a:r>
-              <a:rPr lang="en-GB" dirty="0"/>
-              <a:t> University, </a:t>
-            </a:r>
-            <a:r>
-              <a:rPr lang="en-GB" dirty="0">
-                <a:hlinkClick r:id="rId2"/>
-              </a:rPr>
-              <a:t>https://</a:t>
-            </a:r>
-            <a:r>
-              <a:rPr lang="en-GB" dirty="0" smtClean="0">
-                <a:hlinkClick r:id="rId2"/>
-              </a:rPr>
-              <a:t>www.coursera.org/learn/machine-learning</a:t>
-            </a:r>
-            <a:endParaRPr lang="en-GB" dirty="0" smtClean="0"/>
-          </a:p>
-          <a:p>
-            <a:r>
-              <a:rPr lang="en-GB" dirty="0" smtClean="0"/>
-              <a:t> </a:t>
-            </a:r>
+              <a:rPr lang="en-GB" i="1" dirty="0"/>
+              <a:t>clustering, automatically finding structure</a:t>
+            </a:r>
+          </a:p>
+          <a:p>
+            <a:r>
+              <a:rPr lang="en-GB" i="1" dirty="0"/>
+              <a:t>cocktail party problem</a:t>
+            </a:r>
+            <a:endParaRPr lang="en-GB" dirty="0"/>
+          </a:p>
+          <a:p>
             <a:endParaRPr lang="en-GB" dirty="0"/>
           </a:p>
         </p:txBody>
@@ -16150,7 +16707,492 @@
     </p:spTree>
     <p:extLst>
       <p:ext uri="{BB962C8B-B14F-4D97-AF65-F5344CB8AC3E}">
-        <p14:creationId xmlns:p14="http://schemas.microsoft.com/office/powerpoint/2010/main" val="3549381754"/>
+        <p14:creationId xmlns:p14="http://schemas.microsoft.com/office/powerpoint/2010/main" val="3490337041"/>
+      </p:ext>
+    </p:extLst>
+  </p:cSld>
+  <p:clrMapOvr>
+    <a:masterClrMapping/>
+  </p:clrMapOvr>
+</p:sld>
+</file>
+
+<file path=ppt/slides/slide26.xml><?xml version="1.0" encoding="utf-8"?>
+<p:sld xmlns:a="http://schemas.openxmlformats.org/drawingml/2006/main" xmlns:r="http://schemas.openxmlformats.org/officeDocument/2006/relationships" xmlns:p="http://schemas.openxmlformats.org/presentationml/2006/main">
+  <p:cSld>
+    <p:spTree>
+      <p:nvGrpSpPr>
+        <p:cNvPr id="1" name=""/>
+        <p:cNvGrpSpPr/>
+        <p:nvPr/>
+      </p:nvGrpSpPr>
+      <p:grpSpPr>
+        <a:xfrm>
+          <a:off x="0" y="0"/>
+          <a:ext cx="0" cy="0"/>
+          <a:chOff x="0" y="0"/>
+          <a:chExt cx="0" cy="0"/>
+        </a:xfrm>
+      </p:grpSpPr>
+      <mc:AlternateContent xmlns:mc="http://schemas.openxmlformats.org/markup-compatibility/2006">
+        <mc:Choice xmlns:we="http://schemas.microsoft.com/office/webextensions/webextension/2010/11" xmlns:pca="http://schemas.microsoft.com/office/powerpoint/2013/contentapp" Requires="we pca">
+          <p:graphicFrame>
+            <p:nvGraphicFramePr>
+              <p:cNvPr id="10" name="Add-in"/>
+              <p:cNvGraphicFramePr>
+                <a:graphicFrameLocks noGrp="1"/>
+              </p:cNvGraphicFramePr>
+              <p:nvPr>
+                <p:extLst/>
+              </p:nvPr>
+            </p:nvGraphicFramePr>
+            <p:xfrm>
+              <a:off x="838201" y="95495"/>
+              <a:ext cx="10515600" cy="6081468"/>
+            </p:xfrm>
+            <a:graphic>
+              <a:graphicData uri="http://schemas.microsoft.com/office/webextensions/webextension/2010/11">
+                <we:webextensionref xmlns:we="http://schemas.microsoft.com/office/webextensions/webextension/2010/11" xmlns:r="http://schemas.openxmlformats.org/officeDocument/2006/relationships" r:id="rId3"/>
+              </a:graphicData>
+            </a:graphic>
+          </p:graphicFrame>
+        </mc:Choice>
+        <mc:Fallback>
+          <p:pic>
+            <p:nvPicPr>
+              <p:cNvPr id="10" name="Add-in"/>
+              <p:cNvPicPr>
+                <a:picLocks noGrp="1" noRot="1" noChangeAspect="1" noMove="1" noResize="1" noEditPoints="1" noAdjustHandles="1" noChangeArrowheads="1" noChangeShapeType="1"/>
+              </p:cNvPicPr>
+              <p:nvPr/>
+            </p:nvPicPr>
+            <p:blipFill>
+              <a:blip r:embed="rId4"/>
+              <a:stretch>
+                <a:fillRect/>
+              </a:stretch>
+            </p:blipFill>
+            <p:spPr>
+              <a:xfrm>
+                <a:off x="838201" y="95495"/>
+                <a:ext cx="10515600" cy="6081468"/>
+              </a:xfrm>
+              <a:prstGeom prst="rect">
+                <a:avLst/>
+              </a:prstGeom>
+            </p:spPr>
+          </p:pic>
+        </mc:Fallback>
+      </mc:AlternateContent>
+      <p:sp>
+        <p:nvSpPr>
+          <p:cNvPr id="12" name="Title 11"/>
+          <p:cNvSpPr>
+            <a:spLocks noGrp="1"/>
+          </p:cNvSpPr>
+          <p:nvPr>
+            <p:ph type="title"/>
+          </p:nvPr>
+        </p:nvSpPr>
+        <p:spPr/>
+        <p:txBody>
+          <a:bodyPr>
+            <a:normAutofit fontScale="90000"/>
+          </a:bodyPr>
+          <a:lstStyle/>
+          <a:p>
+            <a:endParaRPr lang="en-US"/>
+          </a:p>
+        </p:txBody>
+      </p:sp>
+      <p:sp>
+        <p:nvSpPr>
+          <p:cNvPr id="13" name="Content Placeholder 12"/>
+          <p:cNvSpPr>
+            <a:spLocks noGrp="1"/>
+          </p:cNvSpPr>
+          <p:nvPr>
+            <p:ph idx="1"/>
+          </p:nvPr>
+        </p:nvSpPr>
+        <p:spPr/>
+        <p:txBody>
+          <a:bodyPr/>
+          <a:lstStyle/>
+          <a:p>
+            <a:endParaRPr lang="en-US"/>
+          </a:p>
+        </p:txBody>
+      </p:sp>
+    </p:spTree>
+    <p:extLst>
+      <p:ext uri="{BB962C8B-B14F-4D97-AF65-F5344CB8AC3E}">
+        <p14:creationId xmlns:p14="http://schemas.microsoft.com/office/powerpoint/2010/main" val="3421939047"/>
+      </p:ext>
+    </p:extLst>
+  </p:cSld>
+  <p:clrMapOvr>
+    <a:masterClrMapping/>
+  </p:clrMapOvr>
+  <p:timing>
+    <p:tnLst>
+      <p:par>
+        <p:cTn id="1" dur="indefinite" restart="never" nodeType="tmRoot"/>
+      </p:par>
+    </p:tnLst>
+  </p:timing>
+</p:sld>
+</file>
+
+<file path=ppt/slides/slide27.xml><?xml version="1.0" encoding="utf-8"?>
+<p:sld xmlns:a="http://schemas.openxmlformats.org/drawingml/2006/main" xmlns:r="http://schemas.openxmlformats.org/officeDocument/2006/relationships" xmlns:p="http://schemas.openxmlformats.org/presentationml/2006/main">
+  <p:cSld>
+    <p:spTree>
+      <p:nvGrpSpPr>
+        <p:cNvPr id="1" name=""/>
+        <p:cNvGrpSpPr/>
+        <p:nvPr/>
+      </p:nvGrpSpPr>
+      <p:grpSpPr>
+        <a:xfrm>
+          <a:off x="0" y="0"/>
+          <a:ext cx="0" cy="0"/>
+          <a:chOff x="0" y="0"/>
+          <a:chExt cx="0" cy="0"/>
+        </a:xfrm>
+      </p:grpSpPr>
+      <p:sp>
+        <p:nvSpPr>
+          <p:cNvPr id="6" name="Title 5"/>
+          <p:cNvSpPr>
+            <a:spLocks noGrp="1"/>
+          </p:cNvSpPr>
+          <p:nvPr>
+            <p:ph type="title"/>
+          </p:nvPr>
+        </p:nvSpPr>
+        <p:spPr/>
+        <p:txBody>
+          <a:bodyPr>
+            <a:normAutofit/>
+          </a:bodyPr>
+          <a:lstStyle/>
+          <a:p>
+            <a:r>
+              <a:rPr lang="en-US" dirty="0" smtClean="0"/>
+              <a:t>5. Methods and Strategies</a:t>
+            </a:r>
+            <a:endParaRPr lang="en-US" dirty="0"/>
+          </a:p>
+        </p:txBody>
+      </p:sp>
+      <p:sp>
+        <p:nvSpPr>
+          <p:cNvPr id="7" name="Text Placeholder 6"/>
+          <p:cNvSpPr>
+            <a:spLocks noGrp="1"/>
+          </p:cNvSpPr>
+          <p:nvPr>
+            <p:ph type="body" idx="1"/>
+          </p:nvPr>
+        </p:nvSpPr>
+        <p:spPr/>
+        <p:txBody>
+          <a:bodyPr/>
+          <a:lstStyle/>
+          <a:p>
+            <a:endParaRPr lang="en-US"/>
+          </a:p>
+        </p:txBody>
+      </p:sp>
+      <p:sp>
+        <p:nvSpPr>
+          <p:cNvPr id="4" name="Footer Placeholder 3"/>
+          <p:cNvSpPr>
+            <a:spLocks noGrp="1"/>
+          </p:cNvSpPr>
+          <p:nvPr>
+            <p:ph type="ftr" sz="quarter" idx="11"/>
+          </p:nvPr>
+        </p:nvSpPr>
+        <p:spPr/>
+        <p:txBody>
+          <a:bodyPr/>
+          <a:lstStyle/>
+          <a:p>
+            <a:r>
+              <a:rPr lang="en-US" smtClean="0"/>
+              <a:t>Introduction to Machine Learning, 16 Nov 2018</a:t>
+            </a:r>
+            <a:endParaRPr lang="en-US" dirty="0"/>
+          </a:p>
+        </p:txBody>
+      </p:sp>
+      <p:sp>
+        <p:nvSpPr>
+          <p:cNvPr id="5" name="Slide Number Placeholder 4"/>
+          <p:cNvSpPr>
+            <a:spLocks noGrp="1"/>
+          </p:cNvSpPr>
+          <p:nvPr>
+            <p:ph type="sldNum" sz="quarter" idx="12"/>
+          </p:nvPr>
+        </p:nvSpPr>
+        <p:spPr/>
+        <p:txBody>
+          <a:bodyPr/>
+          <a:lstStyle/>
+          <a:p>
+            <a:fld id="{BA83D748-511C-42DE-9A56-05B60C680E34}" type="slidenum">
+              <a:rPr lang="en-US" smtClean="0"/>
+              <a:t>27</a:t>
+            </a:fld>
+            <a:endParaRPr lang="en-US" dirty="0"/>
+          </a:p>
+        </p:txBody>
+      </p:sp>
+    </p:spTree>
+    <p:extLst>
+      <p:ext uri="{BB962C8B-B14F-4D97-AF65-F5344CB8AC3E}">
+        <p14:creationId xmlns:p14="http://schemas.microsoft.com/office/powerpoint/2010/main" val="283692781"/>
+      </p:ext>
+    </p:extLst>
+  </p:cSld>
+  <p:clrMapOvr>
+    <a:masterClrMapping/>
+  </p:clrMapOvr>
+</p:sld>
+</file>
+
+<file path=ppt/slides/slide28.xml><?xml version="1.0" encoding="utf-8"?>
+<p:sld xmlns:a="http://schemas.openxmlformats.org/drawingml/2006/main" xmlns:r="http://schemas.openxmlformats.org/officeDocument/2006/relationships" xmlns:p="http://schemas.openxmlformats.org/presentationml/2006/main">
+  <p:cSld>
+    <p:spTree>
+      <p:nvGrpSpPr>
+        <p:cNvPr id="1" name=""/>
+        <p:cNvGrpSpPr/>
+        <p:nvPr/>
+      </p:nvGrpSpPr>
+      <p:grpSpPr>
+        <a:xfrm>
+          <a:off x="0" y="0"/>
+          <a:ext cx="0" cy="0"/>
+          <a:chOff x="0" y="0"/>
+          <a:chExt cx="0" cy="0"/>
+        </a:xfrm>
+      </p:grpSpPr>
+      <p:sp>
+        <p:nvSpPr>
+          <p:cNvPr id="2" name="Title 1"/>
+          <p:cNvSpPr>
+            <a:spLocks noGrp="1"/>
+          </p:cNvSpPr>
+          <p:nvPr>
+            <p:ph type="title"/>
+          </p:nvPr>
+        </p:nvSpPr>
+        <p:spPr/>
+        <p:txBody>
+          <a:bodyPr/>
+          <a:lstStyle/>
+          <a:p>
+            <a:r>
+              <a:rPr lang="en-GB" dirty="0" smtClean="0"/>
+              <a:t>6. Summary</a:t>
+            </a:r>
+            <a:endParaRPr lang="en-GB" dirty="0"/>
+          </a:p>
+        </p:txBody>
+      </p:sp>
+      <p:sp>
+        <p:nvSpPr>
+          <p:cNvPr id="3" name="Text Placeholder 2"/>
+          <p:cNvSpPr>
+            <a:spLocks noGrp="1"/>
+          </p:cNvSpPr>
+          <p:nvPr>
+            <p:ph type="body" idx="1"/>
+          </p:nvPr>
+        </p:nvSpPr>
+        <p:spPr/>
+        <p:txBody>
+          <a:bodyPr/>
+          <a:lstStyle/>
+          <a:p>
+            <a:endParaRPr lang="en-GB"/>
+          </a:p>
+        </p:txBody>
+      </p:sp>
+      <p:sp>
+        <p:nvSpPr>
+          <p:cNvPr id="4" name="Footer Placeholder 3"/>
+          <p:cNvSpPr>
+            <a:spLocks noGrp="1"/>
+          </p:cNvSpPr>
+          <p:nvPr>
+            <p:ph type="ftr" sz="quarter" idx="11"/>
+          </p:nvPr>
+        </p:nvSpPr>
+        <p:spPr/>
+        <p:txBody>
+          <a:bodyPr/>
+          <a:lstStyle/>
+          <a:p>
+            <a:r>
+              <a:rPr lang="en-US" smtClean="0"/>
+              <a:t>Introduction to Machine Learning, 16 Nov 2018</a:t>
+            </a:r>
+            <a:endParaRPr lang="en-US" dirty="0"/>
+          </a:p>
+        </p:txBody>
+      </p:sp>
+      <p:sp>
+        <p:nvSpPr>
+          <p:cNvPr id="5" name="Slide Number Placeholder 4"/>
+          <p:cNvSpPr>
+            <a:spLocks noGrp="1"/>
+          </p:cNvSpPr>
+          <p:nvPr>
+            <p:ph type="sldNum" sz="quarter" idx="12"/>
+          </p:nvPr>
+        </p:nvSpPr>
+        <p:spPr/>
+        <p:txBody>
+          <a:bodyPr/>
+          <a:lstStyle/>
+          <a:p>
+            <a:fld id="{BA83D748-511C-42DE-9A56-05B60C680E34}" type="slidenum">
+              <a:rPr lang="en-US" smtClean="0"/>
+              <a:pPr/>
+              <a:t>28</a:t>
+            </a:fld>
+            <a:endParaRPr lang="en-US" dirty="0"/>
+          </a:p>
+        </p:txBody>
+      </p:sp>
+    </p:spTree>
+    <p:extLst>
+      <p:ext uri="{BB962C8B-B14F-4D97-AF65-F5344CB8AC3E}">
+        <p14:creationId xmlns:p14="http://schemas.microsoft.com/office/powerpoint/2010/main" val="3255936009"/>
+      </p:ext>
+    </p:extLst>
+  </p:cSld>
+  <p:clrMapOvr>
+    <a:masterClrMapping/>
+  </p:clrMapOvr>
+</p:sld>
+</file>
+
+<file path=ppt/slides/slide29.xml><?xml version="1.0" encoding="utf-8"?>
+<p:sld xmlns:a="http://schemas.openxmlformats.org/drawingml/2006/main" xmlns:r="http://schemas.openxmlformats.org/officeDocument/2006/relationships" xmlns:p="http://schemas.openxmlformats.org/presentationml/2006/main">
+  <p:cSld>
+    <p:spTree>
+      <p:nvGrpSpPr>
+        <p:cNvPr id="1" name=""/>
+        <p:cNvGrpSpPr/>
+        <p:nvPr/>
+      </p:nvGrpSpPr>
+      <p:grpSpPr>
+        <a:xfrm>
+          <a:off x="0" y="0"/>
+          <a:ext cx="0" cy="0"/>
+          <a:chOff x="0" y="0"/>
+          <a:chExt cx="0" cy="0"/>
+        </a:xfrm>
+      </p:grpSpPr>
+      <p:sp>
+        <p:nvSpPr>
+          <p:cNvPr id="2" name="Title 1"/>
+          <p:cNvSpPr>
+            <a:spLocks noGrp="1"/>
+          </p:cNvSpPr>
+          <p:nvPr>
+            <p:ph type="title"/>
+          </p:nvPr>
+        </p:nvSpPr>
+        <p:spPr/>
+        <p:txBody>
+          <a:bodyPr/>
+          <a:lstStyle/>
+          <a:p>
+            <a:r>
+              <a:rPr lang="en-GB" dirty="0" smtClean="0"/>
+              <a:t>Resources</a:t>
+            </a:r>
+            <a:endParaRPr lang="en-GB" dirty="0"/>
+          </a:p>
+        </p:txBody>
+      </p:sp>
+      <p:sp>
+        <p:nvSpPr>
+          <p:cNvPr id="3" name="Text Placeholder 2"/>
+          <p:cNvSpPr>
+            <a:spLocks noGrp="1"/>
+          </p:cNvSpPr>
+          <p:nvPr>
+            <p:ph type="body" idx="1"/>
+          </p:nvPr>
+        </p:nvSpPr>
+        <p:spPr/>
+        <p:txBody>
+          <a:bodyPr/>
+          <a:lstStyle/>
+          <a:p>
+            <a:endParaRPr lang="en-GB"/>
+          </a:p>
+        </p:txBody>
+      </p:sp>
+      <p:sp>
+        <p:nvSpPr>
+          <p:cNvPr id="4" name="Footer Placeholder 3"/>
+          <p:cNvSpPr>
+            <a:spLocks noGrp="1"/>
+          </p:cNvSpPr>
+          <p:nvPr>
+            <p:ph type="ftr" sz="quarter" idx="11"/>
+          </p:nvPr>
+        </p:nvSpPr>
+        <p:spPr/>
+        <p:txBody>
+          <a:bodyPr/>
+          <a:lstStyle/>
+          <a:p>
+            <a:r>
+              <a:rPr lang="en-US" smtClean="0"/>
+              <a:t>Introduction to Machine Learning, 16 Nov 2018</a:t>
+            </a:r>
+            <a:endParaRPr lang="en-US" dirty="0"/>
+          </a:p>
+        </p:txBody>
+      </p:sp>
+      <p:sp>
+        <p:nvSpPr>
+          <p:cNvPr id="5" name="Slide Number Placeholder 4"/>
+          <p:cNvSpPr>
+            <a:spLocks noGrp="1"/>
+          </p:cNvSpPr>
+          <p:nvPr>
+            <p:ph type="sldNum" sz="quarter" idx="12"/>
+          </p:nvPr>
+        </p:nvSpPr>
+        <p:spPr/>
+        <p:txBody>
+          <a:bodyPr/>
+          <a:lstStyle/>
+          <a:p>
+            <a:fld id="{BA83D748-511C-42DE-9A56-05B60C680E34}" type="slidenum">
+              <a:rPr lang="en-US" smtClean="0"/>
+              <a:pPr/>
+              <a:t>29</a:t>
+            </a:fld>
+            <a:endParaRPr lang="en-US" dirty="0"/>
+          </a:p>
+        </p:txBody>
+      </p:sp>
+    </p:spTree>
+    <p:extLst>
+      <p:ext uri="{BB962C8B-B14F-4D97-AF65-F5344CB8AC3E}">
+        <p14:creationId xmlns:p14="http://schemas.microsoft.com/office/powerpoint/2010/main" val="3706435324"/>
       </p:ext>
     </p:extLst>
   </p:cSld>
@@ -16287,6 +17329,219 @@
 </p:sld>
 </file>
 
+<file path=ppt/slides/slide30.xml><?xml version="1.0" encoding="utf-8"?>
+<p:sld xmlns:a="http://schemas.openxmlformats.org/drawingml/2006/main" xmlns:r="http://schemas.openxmlformats.org/officeDocument/2006/relationships" xmlns:p="http://schemas.openxmlformats.org/presentationml/2006/main">
+  <p:cSld>
+    <p:spTree>
+      <p:nvGrpSpPr>
+        <p:cNvPr id="1" name=""/>
+        <p:cNvGrpSpPr/>
+        <p:nvPr/>
+      </p:nvGrpSpPr>
+      <p:grpSpPr>
+        <a:xfrm>
+          <a:off x="0" y="0"/>
+          <a:ext cx="0" cy="0"/>
+          <a:chOff x="0" y="0"/>
+          <a:chExt cx="0" cy="0"/>
+        </a:xfrm>
+      </p:grpSpPr>
+      <p:sp>
+        <p:nvSpPr>
+          <p:cNvPr id="6" name="Title 5"/>
+          <p:cNvSpPr>
+            <a:spLocks noGrp="1"/>
+          </p:cNvSpPr>
+          <p:nvPr>
+            <p:ph type="title"/>
+          </p:nvPr>
+        </p:nvSpPr>
+        <p:spPr/>
+        <p:txBody>
+          <a:bodyPr/>
+          <a:lstStyle/>
+          <a:p>
+            <a:r>
+              <a:rPr lang="en-GB" dirty="0" smtClean="0"/>
+              <a:t>Resources</a:t>
+            </a:r>
+            <a:endParaRPr lang="en-GB" dirty="0"/>
+          </a:p>
+        </p:txBody>
+      </p:sp>
+      <p:sp>
+        <p:nvSpPr>
+          <p:cNvPr id="7" name="Content Placeholder 6"/>
+          <p:cNvSpPr>
+            <a:spLocks noGrp="1"/>
+          </p:cNvSpPr>
+          <p:nvPr>
+            <p:ph idx="1"/>
+          </p:nvPr>
+        </p:nvSpPr>
+        <p:spPr/>
+        <p:txBody>
+          <a:bodyPr/>
+          <a:lstStyle/>
+          <a:p>
+            <a:r>
+              <a:rPr lang="en-GB" dirty="0" smtClean="0"/>
+              <a:t>Machine Learning, Online Course in Coursera, Andrew Ng, </a:t>
+            </a:r>
+            <a:r>
+              <a:rPr lang="en-GB" dirty="0" err="1" smtClean="0"/>
+              <a:t>Standford</a:t>
+            </a:r>
+            <a:r>
+              <a:rPr lang="en-GB" dirty="0"/>
+              <a:t> University, </a:t>
+            </a:r>
+            <a:r>
+              <a:rPr lang="en-GB" dirty="0">
+                <a:hlinkClick r:id="rId3"/>
+              </a:rPr>
+              <a:t>https://</a:t>
+            </a:r>
+            <a:r>
+              <a:rPr lang="en-GB" dirty="0" smtClean="0">
+                <a:hlinkClick r:id="rId3"/>
+              </a:rPr>
+              <a:t>www.coursera.org/learn/machine-learning</a:t>
+            </a:r>
+            <a:endParaRPr lang="en-GB" dirty="0" smtClean="0"/>
+          </a:p>
+          <a:p>
+            <a:r>
+              <a:rPr lang="en-US" smtClean="0"/>
+              <a:t>Mitchell (2017</a:t>
+            </a:r>
+            <a:r>
+              <a:rPr lang="en-US"/>
+              <a:t>) </a:t>
+            </a:r>
+            <a:r>
+              <a:rPr lang="en-US"/>
+              <a:t>Machine </a:t>
+            </a:r>
+            <a:r>
+              <a:rPr lang="en-US" smtClean="0"/>
+              <a:t>Learning, McGraw Hill</a:t>
+            </a:r>
+            <a:endParaRPr lang="en-US"/>
+          </a:p>
+          <a:p>
+            <a:r>
+              <a:rPr lang="en-US" smtClean="0"/>
+              <a:t>Gèron (2017) Hands-On </a:t>
+            </a:r>
+            <a:r>
+              <a:rPr lang="en-US"/>
+              <a:t>Machine Learning with Scikit-Learn and Tensor Flow: Concepts, Tools, and Techniques to Build </a:t>
+            </a:r>
+            <a:r>
+              <a:rPr lang="en-US"/>
+              <a:t>Intelligent </a:t>
+            </a:r>
+            <a:r>
+              <a:rPr lang="en-US" smtClean="0"/>
+              <a:t>Systems, </a:t>
+            </a:r>
+            <a:r>
+              <a:rPr lang="en-US"/>
+              <a:t>O’Reilly</a:t>
+            </a:r>
+            <a:r>
+              <a:rPr lang="en-US" smtClean="0"/>
+              <a:t> </a:t>
+            </a:r>
+            <a:endParaRPr lang="en-US"/>
+          </a:p>
+          <a:p>
+            <a:r>
+              <a:rPr lang="en-US" smtClean="0"/>
+              <a:t>Müller and Guido (2016) Introduction </a:t>
+            </a:r>
+            <a:r>
+              <a:rPr lang="en-US"/>
+              <a:t>to Machine Learning with Python: A Guide for </a:t>
+            </a:r>
+            <a:r>
+              <a:rPr lang="en-US"/>
+              <a:t>Data </a:t>
+            </a:r>
+            <a:r>
+              <a:rPr lang="en-US" smtClean="0"/>
+              <a:t>Scientists, O’Reilly</a:t>
+            </a:r>
+          </a:p>
+          <a:p>
+            <a:endParaRPr lang="en-US" smtClean="0"/>
+          </a:p>
+          <a:p>
+            <a:endParaRPr lang="en-GB" dirty="0"/>
+          </a:p>
+        </p:txBody>
+      </p:sp>
+      <p:sp>
+        <p:nvSpPr>
+          <p:cNvPr id="4" name="Footer Placeholder 3"/>
+          <p:cNvSpPr>
+            <a:spLocks noGrp="1"/>
+          </p:cNvSpPr>
+          <p:nvPr>
+            <p:ph type="ftr" sz="quarter" idx="11"/>
+          </p:nvPr>
+        </p:nvSpPr>
+        <p:spPr/>
+        <p:txBody>
+          <a:bodyPr/>
+          <a:lstStyle/>
+          <a:p>
+            <a:r>
+              <a:rPr lang="en-US" smtClean="0"/>
+              <a:t>Introduction to Machine Learning, 16 Nov 2018</a:t>
+            </a:r>
+            <a:endParaRPr lang="en-US" dirty="0"/>
+          </a:p>
+        </p:txBody>
+      </p:sp>
+      <p:sp>
+        <p:nvSpPr>
+          <p:cNvPr id="5" name="Slide Number Placeholder 4"/>
+          <p:cNvSpPr>
+            <a:spLocks noGrp="1"/>
+          </p:cNvSpPr>
+          <p:nvPr>
+            <p:ph type="sldNum" sz="quarter" idx="12"/>
+          </p:nvPr>
+        </p:nvSpPr>
+        <p:spPr/>
+        <p:txBody>
+          <a:bodyPr/>
+          <a:lstStyle/>
+          <a:p>
+            <a:fld id="{BA83D748-511C-42DE-9A56-05B60C680E34}" type="slidenum">
+              <a:rPr lang="en-US" smtClean="0"/>
+              <a:pPr/>
+              <a:t>30</a:t>
+            </a:fld>
+            <a:endParaRPr lang="en-US" dirty="0"/>
+          </a:p>
+        </p:txBody>
+      </p:sp>
+    </p:spTree>
+    <p:extLst>
+      <p:ext uri="{BB962C8B-B14F-4D97-AF65-F5344CB8AC3E}">
+        <p14:creationId xmlns:p14="http://schemas.microsoft.com/office/powerpoint/2010/main" val="3549381754"/>
+      </p:ext>
+    </p:extLst>
+  </p:cSld>
+  <p:clrMapOvr>
+    <a:masterClrMapping/>
+  </p:clrMapOvr>
+</p:sld>
+</file>
+
 <file path=ppt/slides/slide4.xml><?xml version="1.0" encoding="utf-8"?>
 <p:sld xmlns:a="http://schemas.openxmlformats.org/drawingml/2006/main" xmlns:r="http://schemas.openxmlformats.org/officeDocument/2006/relationships" xmlns:p="http://schemas.openxmlformats.org/presentationml/2006/main">
   <p:cSld>
@@ -16402,49 +17657,47 @@
       </p:sp>
       <p:sp>
         <p:nvSpPr>
-          <p:cNvPr id="13" name="Rectangle 12"/>
-          <p:cNvSpPr/>
+          <p:cNvPr id="2" name="TextBox 1"/>
+          <p:cNvSpPr txBox="1"/>
           <p:nvPr/>
         </p:nvSpPr>
         <p:spPr>
-          <a:xfrm>
-            <a:off x="5422900" y="704740"/>
-            <a:ext cx="6096000" cy="646331"/>
+          <a:xfrm rot="18850516">
+            <a:off x="1489222" y="2828286"/>
+            <a:ext cx="7696250" cy="923330"/>
           </a:xfrm>
           <a:prstGeom prst="rect">
             <a:avLst/>
           </a:prstGeom>
         </p:spPr>
-        <p:txBody>
-          <a:bodyPr>
+        <p:style>
+          <a:lnRef idx="2">
+            <a:schemeClr val="accent3">
+              <a:shade val="50000"/>
+            </a:schemeClr>
+          </a:lnRef>
+          <a:fillRef idx="1">
+            <a:schemeClr val="accent3"/>
+          </a:fillRef>
+          <a:effectRef idx="0">
+            <a:schemeClr val="accent3"/>
+          </a:effectRef>
+          <a:fontRef idx="minor">
+            <a:schemeClr val="lt1"/>
+          </a:fontRef>
+        </p:style>
+        <p:txBody>
+          <a:bodyPr wrap="square" rtlCol="0">
             <a:spAutoFit/>
           </a:bodyPr>
           <a:lstStyle/>
           <a:p>
-            <a:r>
-              <a:rPr lang="en-GB" dirty="0">
-                <a:latin typeface="Calibri" panose="020F0502020204030204" pitchFamily="34" charset="0"/>
-                <a:ea typeface="Calibri" panose="020F0502020204030204" pitchFamily="34" charset="0"/>
-                <a:cs typeface="Times New Roman" panose="02020603050405020304" pitchFamily="18" charset="0"/>
-              </a:rPr>
-              <a:t>Supervised Learning (SL), Unsupervised Learning (UL)</a:t>
-            </a:r>
-            <a:br>
-              <a:rPr lang="en-GB" dirty="0">
-                <a:latin typeface="Calibri" panose="020F0502020204030204" pitchFamily="34" charset="0"/>
-                <a:ea typeface="Calibri" panose="020F0502020204030204" pitchFamily="34" charset="0"/>
-                <a:cs typeface="Times New Roman" panose="02020603050405020304" pitchFamily="18" charset="0"/>
-              </a:rPr>
-            </a:br>
-            <a:r>
-              <a:rPr lang="en-GB" dirty="0">
-                <a:latin typeface="Calibri" panose="020F0502020204030204" pitchFamily="34" charset="0"/>
-                <a:ea typeface="Calibri" panose="020F0502020204030204" pitchFamily="34" charset="0"/>
-                <a:cs typeface="Times New Roman" panose="02020603050405020304" pitchFamily="18" charset="0"/>
-              </a:rPr>
-              <a:t>Methods and Strategies (MS), Application in Labs (Labs)</a:t>
-            </a:r>
-            <a:endParaRPr lang="en-GB" dirty="0"/>
+            <a:pPr algn="ctr"/>
+            <a:r>
+              <a:rPr lang="en-US" sz="5400" smtClean="0"/>
+              <a:t>To be updated.</a:t>
+            </a:r>
+            <a:endParaRPr lang="en-US" sz="5400"/>
           </a:p>
         </p:txBody>
       </p:sp>
@@ -17073,7 +18326,30 @@
           <a:p>
             <a:r>
               <a:rPr lang="en-US" smtClean="0"/>
-              <a:t>Inspired by “Machine Learning”, course by Andrew Ng, Standford University, offered on Coursera</a:t>
+              <a:t>Inspired by </a:t>
+            </a:r>
+            <a:r>
+              <a:rPr lang="en-US" smtClean="0"/>
+              <a:t>and using material from </a:t>
+            </a:r>
+            <a:br>
+              <a:rPr lang="en-US" smtClean="0"/>
+            </a:br>
+            <a:r>
+              <a:rPr lang="en-US" smtClean="0"/>
+              <a:t>“Machine </a:t>
+            </a:r>
+            <a:r>
+              <a:rPr lang="en-US" smtClean="0"/>
+              <a:t>Learning”, </a:t>
+            </a:r>
+            <a:r>
+              <a:rPr lang="en-US" smtClean="0"/>
+              <a:t>online course </a:t>
+            </a:r>
+            <a:r>
+              <a:rPr lang="en-US" smtClean="0"/>
+              <a:t>by Andrew Ng, Standford University, offered on Coursera</a:t>
             </a:r>
             <a:endParaRPr lang="en-US"/>
           </a:p>
@@ -18276,4 +19552,30 @@
   <we:bindings/>
   <we:snapshot xmlns:r="http://schemas.openxmlformats.org/officeDocument/2006/relationships" r:embed="rId1"/>
 </we:webextension>
+</file>
+
+<file path=ppt/webextensions/webextension3.xml><?xml version="1.0" encoding="utf-8"?>
+<we:webextension xmlns:we="http://schemas.microsoft.com/office/webextensions/webextension/2010/11" id="{2D07B11C-0706-4AB4-B175-476706E09FF2}">
+  <we:reference id="WA104379261" version="2.0.0.1" store="en-US" storeType="OMEX"/>
+  <we:alternateReferences/>
+  <we:properties>
+    <we:property name="mentimeter_ppt_question_id" value="&quot;f7d4f8bd0f8a&quot;"/>
+    <we:property name="mentimeter_ppt_series_id" value="&quot;c01938d07db6f1c1c50fdae03efe8415&quot;"/>
+  </we:properties>
+  <we:bindings/>
+  <we:snapshot xmlns:r="http://schemas.openxmlformats.org/officeDocument/2006/relationships" r:embed="rId1"/>
+</we:webextension>
+</file>
+
+<file path=ppt/webextensions/webextension4.xml><?xml version="1.0" encoding="utf-8"?>
+<we:webextension xmlns:we="http://schemas.microsoft.com/office/webextensions/webextension/2010/11" id="{8C94852C-6F07-47EA-88FA-B50907D077BF}">
+  <we:reference id="WA104379261" version="2.0.0.1" store="en-US" storeType="OMEX"/>
+  <we:alternateReferences/>
+  <we:properties>
+    <we:property name="mentimeter_ppt_series_id" value="&quot;c01938d07db6f1c1c50fdae03efe8415&quot;"/>
+    <we:property name="mentimeter_ppt_question_id" value="&quot;3f6bb0f8c06a&quot;"/>
+  </we:properties>
+  <we:bindings/>
+  <we:snapshot xmlns:r="http://schemas.openxmlformats.org/officeDocument/2006/relationships" r:embed="rId1"/>
+</we:webextension>
 </file>